--- a/Topic Three.pptx
+++ b/Topic Three.pptx
@@ -5,7 +5,7 @@
     <p:sldMasterId id="2147483660" r:id="rId1"/>
   </p:sldMasterIdLst>
   <p:notesMasterIdLst>
-    <p:notesMasterId r:id="rId14"/>
+    <p:notesMasterId r:id="rId16"/>
   </p:notesMasterIdLst>
   <p:sldIdLst>
     <p:sldId id="258" r:id="rId2"/>
@@ -15,11 +15,13 @@
     <p:sldId id="276" r:id="rId6"/>
     <p:sldId id="278" r:id="rId7"/>
     <p:sldId id="277" r:id="rId8"/>
-    <p:sldId id="279" r:id="rId9"/>
-    <p:sldId id="280" r:id="rId10"/>
-    <p:sldId id="282" r:id="rId11"/>
-    <p:sldId id="281" r:id="rId12"/>
-    <p:sldId id="273" r:id="rId13"/>
+    <p:sldId id="283" r:id="rId9"/>
+    <p:sldId id="284" r:id="rId10"/>
+    <p:sldId id="279" r:id="rId11"/>
+    <p:sldId id="280" r:id="rId12"/>
+    <p:sldId id="282" r:id="rId13"/>
+    <p:sldId id="281" r:id="rId14"/>
+    <p:sldId id="273" r:id="rId15"/>
   </p:sldIdLst>
   <p:sldSz cx="12192000" cy="6858000"/>
   <p:notesSz cx="6858000" cy="9144000"/>
@@ -6534,7 +6536,7 @@
         </p:nvSpPr>
         <p:spPr>
           <a:xfrm>
-            <a:off x="241489" y="153144"/>
+            <a:off x="241489" y="134483"/>
             <a:ext cx="11711162" cy="1115616"/>
           </a:xfrm>
         </p:spPr>
@@ -6543,14 +6545,13 @@
           <a:lstStyle/>
           <a:p>
             <a:r>
+              <a:rPr lang="en-US" dirty="0" smtClean="0"/>
+              <a:t>Switch </a:t>
+            </a:r>
+            <a:r>
               <a:rPr lang="en-US" dirty="0"/>
-              <a:t>Iteration statement- </a:t>
-            </a:r>
-            <a:r>
-              <a:rPr lang="en-US" dirty="0" smtClean="0"/>
-              <a:t>for-loop</a:t>
-            </a:r>
-            <a:endParaRPr lang="en-US" dirty="0"/>
+              <a:t>statement</a:t>
+            </a:r>
           </a:p>
         </p:txBody>
       </p:sp>
@@ -6566,23 +6567,173 @@
         </p:nvSpPr>
         <p:spPr/>
         <p:txBody>
-          <a:bodyPr/>
+          <a:bodyPr>
+            <a:noAutofit/>
+          </a:bodyPr>
           <a:lstStyle/>
           <a:p>
-            <a:endParaRPr lang="en-US" dirty="0"/>
+            <a:r>
+              <a:rPr lang="en-US" sz="2000" dirty="0"/>
+              <a:t>In the switch statement, the test (a primitive type of byte, char, short, or </a:t>
+            </a:r>
+            <a:r>
+              <a:rPr lang="en-US" sz="2000" dirty="0" err="1"/>
+              <a:t>int</a:t>
+            </a:r>
+            <a:r>
+              <a:rPr lang="en-US" sz="2000" dirty="0"/>
+              <a:t>) is compared </a:t>
+            </a:r>
+            <a:r>
+              <a:rPr lang="en-US" sz="2000" dirty="0" smtClean="0"/>
+              <a:t>with each </a:t>
+            </a:r>
+            <a:r>
+              <a:rPr lang="en-US" sz="2000" dirty="0"/>
+              <a:t>of the case values in turn. If a match is found, the statement, or statements after the </a:t>
+            </a:r>
+            <a:r>
+              <a:rPr lang="en-US" sz="2000" dirty="0" smtClean="0"/>
+              <a:t>test is </a:t>
+            </a:r>
+            <a:r>
+              <a:rPr lang="en-US" sz="2000" dirty="0"/>
+              <a:t>executed. </a:t>
+            </a:r>
+            <a:endParaRPr lang="en-US" sz="2000" dirty="0" smtClean="0"/>
+          </a:p>
+          <a:p>
+            <a:r>
+              <a:rPr lang="en-US" sz="2000" dirty="0" smtClean="0"/>
+              <a:t>If </a:t>
+            </a:r>
+            <a:r>
+              <a:rPr lang="en-US" sz="2000" dirty="0"/>
+              <a:t>no match is found, the default statement is executed. The default is </a:t>
+            </a:r>
+            <a:r>
+              <a:rPr lang="en-US" sz="2000" dirty="0" smtClean="0"/>
+              <a:t>optional, so </a:t>
+            </a:r>
+            <a:r>
+              <a:rPr lang="en-US" sz="2000" dirty="0"/>
+              <a:t>if there isn’t a match in any of the cases and default doesn’t exist, the switch </a:t>
+            </a:r>
+            <a:r>
+              <a:rPr lang="en-US" sz="2000" dirty="0" smtClean="0"/>
+              <a:t>statement completes </a:t>
+            </a:r>
+            <a:r>
+              <a:rPr lang="en-US" sz="2000" dirty="0"/>
+              <a:t>without doing anything</a:t>
+            </a:r>
+            <a:r>
+              <a:rPr lang="en-US" sz="2000" dirty="0" smtClean="0"/>
+              <a:t>.</a:t>
+            </a:r>
+          </a:p>
+          <a:p>
+            <a:pPr marL="0" indent="0">
+              <a:buNone/>
+            </a:pPr>
+            <a:r>
+              <a:rPr lang="en-US" sz="2400" dirty="0" smtClean="0"/>
+              <a:t>switch </a:t>
+            </a:r>
+            <a:r>
+              <a:rPr lang="en-US" sz="2400" dirty="0"/>
+              <a:t>(test) {</a:t>
+            </a:r>
+          </a:p>
+          <a:p>
+            <a:pPr marL="0" indent="0">
+              <a:buNone/>
+            </a:pPr>
+            <a:r>
+              <a:rPr lang="en-US" sz="2400" dirty="0"/>
+              <a:t>case </a:t>
+            </a:r>
+            <a:r>
+              <a:rPr lang="en-US" sz="2400" dirty="0" err="1"/>
+              <a:t>valueOne</a:t>
+            </a:r>
+            <a:r>
+              <a:rPr lang="en-US" sz="2400" dirty="0"/>
+              <a:t>:</a:t>
+            </a:r>
+          </a:p>
+          <a:p>
+            <a:pPr marL="0" indent="0">
+              <a:buNone/>
+            </a:pPr>
+            <a:r>
+              <a:rPr lang="en-US" sz="2400" dirty="0" err="1"/>
+              <a:t>resultOne</a:t>
+            </a:r>
+            <a:r>
+              <a:rPr lang="en-US" sz="2400" dirty="0"/>
+              <a:t>;</a:t>
+            </a:r>
+          </a:p>
+          <a:p>
+            <a:pPr marL="0" indent="0">
+              <a:buNone/>
+            </a:pPr>
+            <a:r>
+              <a:rPr lang="en-US" sz="2400" dirty="0"/>
+              <a:t>break;</a:t>
+            </a:r>
+          </a:p>
+          <a:p>
+            <a:pPr marL="0" indent="0">
+              <a:buNone/>
+            </a:pPr>
+            <a:r>
+              <a:rPr lang="en-US" sz="2400" dirty="0" smtClean="0"/>
+              <a:t>default</a:t>
+            </a:r>
+            <a:r>
+              <a:rPr lang="en-US" sz="2400" dirty="0"/>
+              <a:t>: </a:t>
+            </a:r>
+            <a:r>
+              <a:rPr lang="en-US" sz="2400" dirty="0" err="1"/>
+              <a:t>defaultresult</a:t>
+            </a:r>
+            <a:r>
+              <a:rPr lang="en-US" sz="2400" dirty="0"/>
+              <a:t>;</a:t>
+            </a:r>
+          </a:p>
+          <a:p>
+            <a:pPr marL="0" indent="0">
+              <a:buNone/>
+            </a:pPr>
+            <a:r>
+              <a:rPr lang="en-US" sz="2400" dirty="0"/>
+              <a:t>}</a:t>
+            </a:r>
+            <a:endParaRPr lang="en-US" sz="2400" dirty="0"/>
           </a:p>
         </p:txBody>
       </p:sp>
     </p:spTree>
     <p:extLst>
       <p:ext uri="{BB962C8B-B14F-4D97-AF65-F5344CB8AC3E}">
-        <p14:creationId xmlns:p14="http://schemas.microsoft.com/office/powerpoint/2010/main" val="2840327062"/>
+        <p14:creationId xmlns:p14="http://schemas.microsoft.com/office/powerpoint/2010/main" val="2286461122"/>
       </p:ext>
     </p:extLst>
   </p:cSld>
   <p:clrMapOvr>
     <a:masterClrMapping/>
   </p:clrMapOvr>
+  <p:timing>
+    <p:tnLst>
+      <p:par>
+        <p:cTn id="1" dur="indefinite" restart="never" nodeType="tmRoot"/>
+      </p:par>
+    </p:tnLst>
+  </p:timing>
 </p:sld>
 </file>
 
@@ -6615,7 +6766,7 @@
         </p:nvSpPr>
         <p:spPr>
           <a:xfrm>
-            <a:off x="239349" y="41177"/>
+            <a:off x="239349" y="153144"/>
             <a:ext cx="11711162" cy="1115616"/>
           </a:xfrm>
         </p:spPr>
@@ -6624,8 +6775,12 @@
           <a:lstStyle/>
           <a:p>
             <a:r>
-              <a:rPr lang="en-GB" dirty="0" smtClean="0"/>
-              <a:t>Recursive loops</a:t>
+              <a:rPr lang="en-US" dirty="0"/>
+              <a:t>I</a:t>
+            </a:r>
+            <a:r>
+              <a:rPr lang="en-US" dirty="0" smtClean="0"/>
+              <a:t>teration statement- while and do while</a:t>
             </a:r>
             <a:endParaRPr lang="en-US" dirty="0"/>
           </a:p>
@@ -6643,9 +6798,102 @@
         </p:nvSpPr>
         <p:spPr/>
         <p:txBody>
-          <a:bodyPr/>
+          <a:bodyPr>
+            <a:normAutofit fontScale="85000" lnSpcReduction="20000"/>
+          </a:bodyPr>
           <a:lstStyle/>
           <a:p>
+            <a:r>
+              <a:rPr lang="en-US" dirty="0"/>
+              <a:t>The while loop is used to repeat a statement or block of statements as long as a </a:t>
+            </a:r>
+            <a:r>
+              <a:rPr lang="en-US" dirty="0" smtClean="0"/>
+              <a:t>particular condition </a:t>
+            </a:r>
+            <a:r>
+              <a:rPr lang="en-US" dirty="0"/>
+              <a:t>is true. while loops look like this:</a:t>
+            </a:r>
+            <a:endParaRPr lang="en-US" dirty="0" smtClean="0"/>
+          </a:p>
+          <a:p>
+            <a:pPr marL="0" indent="0">
+              <a:buNone/>
+            </a:pPr>
+            <a:r>
+              <a:rPr lang="en-US" dirty="0" smtClean="0"/>
+              <a:t>while </a:t>
+            </a:r>
+            <a:r>
+              <a:rPr lang="en-US" dirty="0"/>
+              <a:t>(condition) {</a:t>
+            </a:r>
+          </a:p>
+          <a:p>
+            <a:pPr marL="0" indent="0">
+              <a:buNone/>
+            </a:pPr>
+            <a:r>
+              <a:rPr lang="en-US" dirty="0" err="1"/>
+              <a:t>bodyOfLoop</a:t>
+            </a:r>
+            <a:r>
+              <a:rPr lang="en-US" dirty="0"/>
+              <a:t>;</a:t>
+            </a:r>
+          </a:p>
+          <a:p>
+            <a:pPr marL="0" indent="0">
+              <a:buNone/>
+            </a:pPr>
+            <a:r>
+              <a:rPr lang="en-US" dirty="0" smtClean="0"/>
+              <a:t>}</a:t>
+            </a:r>
+          </a:p>
+          <a:p>
+            <a:pPr marL="0" indent="0">
+              <a:buNone/>
+            </a:pPr>
+            <a:r>
+              <a:rPr lang="en-US" dirty="0"/>
+              <a:t>do {</a:t>
+            </a:r>
+          </a:p>
+          <a:p>
+            <a:pPr marL="0" indent="0">
+              <a:buNone/>
+            </a:pPr>
+            <a:r>
+              <a:rPr lang="en-US" dirty="0" err="1"/>
+              <a:t>bodyOfLoop</a:t>
+            </a:r>
+            <a:r>
+              <a:rPr lang="en-US" dirty="0"/>
+              <a:t>;</a:t>
+            </a:r>
+          </a:p>
+          <a:p>
+            <a:pPr marL="0" indent="0">
+              <a:buNone/>
+            </a:pPr>
+            <a:r>
+              <a:rPr lang="en-US" dirty="0"/>
+              <a:t>} while (condition);</a:t>
+            </a:r>
+            <a:endParaRPr lang="en-US" dirty="0" smtClean="0"/>
+          </a:p>
+          <a:p>
+            <a:pPr marL="0" indent="0">
+              <a:buNone/>
+            </a:pPr>
+            <a:endParaRPr lang="en-GB" dirty="0"/>
+          </a:p>
+          <a:p>
+            <a:pPr marL="0" indent="0">
+              <a:buNone/>
+            </a:pPr>
             <a:endParaRPr lang="en-US" dirty="0"/>
           </a:p>
         </p:txBody>
@@ -6653,13 +6901,20 @@
     </p:spTree>
     <p:extLst>
       <p:ext uri="{BB962C8B-B14F-4D97-AF65-F5344CB8AC3E}">
-        <p14:creationId xmlns:p14="http://schemas.microsoft.com/office/powerpoint/2010/main" val="862410624"/>
+        <p14:creationId xmlns:p14="http://schemas.microsoft.com/office/powerpoint/2010/main" val="3714985099"/>
       </p:ext>
     </p:extLst>
   </p:cSld>
   <p:clrMapOvr>
     <a:masterClrMapping/>
   </p:clrMapOvr>
+  <p:timing>
+    <p:tnLst>
+      <p:par>
+        <p:cTn id="1" dur="indefinite" restart="never" nodeType="tmRoot"/>
+      </p:par>
+    </p:tnLst>
+  </p:timing>
 </p:sld>
 </file>
 
@@ -6690,6 +6945,458 @@
             <p:ph type="title"/>
           </p:nvPr>
         </p:nvSpPr>
+        <p:spPr>
+          <a:xfrm>
+            <a:off x="241489" y="153144"/>
+            <a:ext cx="11711162" cy="1115616"/>
+          </a:xfrm>
+        </p:spPr>
+        <p:txBody>
+          <a:bodyPr/>
+          <a:lstStyle/>
+          <a:p>
+            <a:r>
+              <a:rPr lang="en-US" dirty="0"/>
+              <a:t>Iteration statement- </a:t>
+            </a:r>
+            <a:r>
+              <a:rPr lang="en-US" dirty="0" smtClean="0"/>
+              <a:t>for-loop</a:t>
+            </a:r>
+            <a:endParaRPr lang="en-US" dirty="0"/>
+          </a:p>
+        </p:txBody>
+      </p:sp>
+      <p:sp>
+        <p:nvSpPr>
+          <p:cNvPr id="3" name="Content Placeholder 2"/>
+          <p:cNvSpPr>
+            <a:spLocks noGrp="1"/>
+          </p:cNvSpPr>
+          <p:nvPr>
+            <p:ph idx="1"/>
+          </p:nvPr>
+        </p:nvSpPr>
+        <p:spPr/>
+        <p:txBody>
+          <a:bodyPr>
+            <a:normAutofit fontScale="70000" lnSpcReduction="20000"/>
+          </a:bodyPr>
+          <a:lstStyle/>
+          <a:p>
+            <a:r>
+              <a:rPr lang="en-US" dirty="0"/>
+              <a:t>The for loop, as in C, repeats a statement or block of statements some number of times </a:t>
+            </a:r>
+            <a:r>
+              <a:rPr lang="en-US" dirty="0" smtClean="0"/>
+              <a:t>until a </a:t>
+            </a:r>
+            <a:r>
+              <a:rPr lang="en-US" dirty="0"/>
+              <a:t>condition is matched. </a:t>
+            </a:r>
+            <a:endParaRPr lang="en-US" dirty="0" smtClean="0"/>
+          </a:p>
+          <a:p>
+            <a:r>
+              <a:rPr lang="en-US" dirty="0" smtClean="0"/>
+              <a:t>for </a:t>
+            </a:r>
+            <a:r>
+              <a:rPr lang="en-US" dirty="0"/>
+              <a:t>loops are frequently used for simple iteration in which you </a:t>
+            </a:r>
+            <a:r>
+              <a:rPr lang="en-US" dirty="0" smtClean="0"/>
+              <a:t>repeat a </a:t>
+            </a:r>
+            <a:r>
+              <a:rPr lang="en-US" dirty="0"/>
+              <a:t>block of statements a certain number of times and then stop, but you can use for loops for </a:t>
+            </a:r>
+            <a:r>
+              <a:rPr lang="en-US" dirty="0" smtClean="0"/>
+              <a:t>just about </a:t>
+            </a:r>
+            <a:r>
+              <a:rPr lang="en-US" dirty="0"/>
+              <a:t>any kind of loop.</a:t>
+            </a:r>
+            <a:endParaRPr lang="nn-NO" dirty="0" smtClean="0"/>
+          </a:p>
+          <a:p>
+            <a:pPr marL="0" indent="0">
+              <a:buNone/>
+            </a:pPr>
+            <a:r>
+              <a:rPr lang="en-US" dirty="0"/>
+              <a:t>for (initialization; test; increment) {</a:t>
+            </a:r>
+          </a:p>
+          <a:p>
+            <a:pPr marL="0" indent="0">
+              <a:buNone/>
+            </a:pPr>
+            <a:r>
+              <a:rPr lang="en-US" dirty="0" smtClean="0"/>
+              <a:t>}</a:t>
+            </a:r>
+          </a:p>
+          <a:p>
+            <a:pPr marL="0" indent="0">
+              <a:buNone/>
+            </a:pPr>
+            <a:r>
+              <a:rPr lang="en-GB" dirty="0" smtClean="0"/>
+              <a:t>Example:</a:t>
+            </a:r>
+            <a:endParaRPr lang="nn-NO" dirty="0"/>
+          </a:p>
+          <a:p>
+            <a:pPr marL="0" indent="0">
+              <a:buNone/>
+            </a:pPr>
+            <a:r>
+              <a:rPr lang="nn-NO" dirty="0" smtClean="0"/>
+              <a:t>for </a:t>
+            </a:r>
+            <a:r>
+              <a:rPr lang="nn-NO" dirty="0"/>
+              <a:t>(int i = 0; i &lt;10; i++) {</a:t>
+            </a:r>
+          </a:p>
+          <a:p>
+            <a:pPr marL="0" indent="0">
+              <a:buNone/>
+            </a:pPr>
+            <a:r>
+              <a:rPr lang="en-US" dirty="0" smtClean="0"/>
+              <a:t>}</a:t>
+            </a:r>
+            <a:endParaRPr lang="en-US" dirty="0"/>
+          </a:p>
+        </p:txBody>
+      </p:sp>
+    </p:spTree>
+    <p:extLst>
+      <p:ext uri="{BB962C8B-B14F-4D97-AF65-F5344CB8AC3E}">
+        <p14:creationId xmlns:p14="http://schemas.microsoft.com/office/powerpoint/2010/main" val="2840327062"/>
+      </p:ext>
+    </p:extLst>
+  </p:cSld>
+  <p:clrMapOvr>
+    <a:masterClrMapping/>
+  </p:clrMapOvr>
+  <p:timing>
+    <p:tnLst>
+      <p:par>
+        <p:cTn id="1" dur="indefinite" restart="never" nodeType="tmRoot"/>
+      </p:par>
+    </p:tnLst>
+  </p:timing>
+</p:sld>
+</file>
+
+<file path=ppt/slides/slide13.xml><?xml version="1.0" encoding="utf-8"?>
+<p:sld xmlns:a="http://schemas.openxmlformats.org/drawingml/2006/main" xmlns:r="http://schemas.openxmlformats.org/officeDocument/2006/relationships" xmlns:p="http://schemas.openxmlformats.org/presentationml/2006/main">
+  <p:cSld>
+    <p:spTree>
+      <p:nvGrpSpPr>
+        <p:cNvPr id="1" name=""/>
+        <p:cNvGrpSpPr/>
+        <p:nvPr/>
+      </p:nvGrpSpPr>
+      <p:grpSpPr>
+        <a:xfrm>
+          <a:off x="0" y="0"/>
+          <a:ext cx="0" cy="0"/>
+          <a:chOff x="0" y="0"/>
+          <a:chExt cx="0" cy="0"/>
+        </a:xfrm>
+      </p:grpSpPr>
+      <p:sp>
+        <p:nvSpPr>
+          <p:cNvPr id="2" name="Title 1"/>
+          <p:cNvSpPr>
+            <a:spLocks noGrp="1"/>
+          </p:cNvSpPr>
+          <p:nvPr>
+            <p:ph type="title"/>
+          </p:nvPr>
+        </p:nvSpPr>
+        <p:spPr>
+          <a:xfrm>
+            <a:off x="239349" y="41177"/>
+            <a:ext cx="11711162" cy="1115616"/>
+          </a:xfrm>
+        </p:spPr>
+        <p:txBody>
+          <a:bodyPr/>
+          <a:lstStyle/>
+          <a:p>
+            <a:r>
+              <a:rPr lang="en-GB" dirty="0" smtClean="0"/>
+              <a:t>Recursive loops</a:t>
+            </a:r>
+            <a:endParaRPr lang="en-US" dirty="0"/>
+          </a:p>
+        </p:txBody>
+      </p:sp>
+      <p:sp>
+        <p:nvSpPr>
+          <p:cNvPr id="3" name="Content Placeholder 2"/>
+          <p:cNvSpPr>
+            <a:spLocks noGrp="1"/>
+          </p:cNvSpPr>
+          <p:nvPr>
+            <p:ph idx="1"/>
+          </p:nvPr>
+        </p:nvSpPr>
+        <p:spPr/>
+        <p:txBody>
+          <a:bodyPr>
+            <a:normAutofit fontScale="25000" lnSpcReduction="20000"/>
+          </a:bodyPr>
+          <a:lstStyle/>
+          <a:p>
+            <a:pPr marL="0" indent="0" algn="just">
+              <a:buNone/>
+            </a:pPr>
+            <a:r>
+              <a:rPr lang="en-US" sz="8000" dirty="0"/>
+              <a:t>When a recursive call is made, new storage locations for variables are allocated on the stack. </a:t>
+            </a:r>
+            <a:endParaRPr lang="en-US" sz="8000" dirty="0" smtClean="0"/>
+          </a:p>
+          <a:p>
+            <a:pPr marL="0" indent="0" algn="just">
+              <a:buNone/>
+            </a:pPr>
+            <a:r>
+              <a:rPr lang="en-US" sz="8000" dirty="0" smtClean="0"/>
+              <a:t>As</a:t>
+            </a:r>
+            <a:r>
+              <a:rPr lang="en-US" sz="8000" dirty="0"/>
+              <a:t>, each recursive call returns, the old variables and parameters are removed from the stack. Hence, recursion generally uses more memory and is generally slow</a:t>
+            </a:r>
+            <a:r>
+              <a:rPr lang="en-US" sz="8000" dirty="0" smtClean="0"/>
+              <a:t>.</a:t>
+            </a:r>
+            <a:endParaRPr lang="en-US" sz="8000" dirty="0"/>
+          </a:p>
+          <a:p>
+            <a:pPr marL="0" indent="0">
+              <a:buNone/>
+            </a:pPr>
+            <a:r>
+              <a:rPr lang="en-US" sz="8000" dirty="0" smtClean="0"/>
+              <a:t>public </a:t>
+            </a:r>
+            <a:r>
+              <a:rPr lang="en-US" sz="8000" dirty="0"/>
+              <a:t>class Main {</a:t>
+            </a:r>
+          </a:p>
+          <a:p>
+            <a:pPr marL="0" indent="0">
+              <a:buNone/>
+            </a:pPr>
+            <a:r>
+              <a:rPr lang="en-US" sz="8000" dirty="0"/>
+              <a:t>  public static void main(String[] </a:t>
+            </a:r>
+            <a:r>
+              <a:rPr lang="en-US" sz="8000" dirty="0" err="1"/>
+              <a:t>args</a:t>
+            </a:r>
+            <a:r>
+              <a:rPr lang="en-US" sz="8000" dirty="0"/>
+              <a:t>) {</a:t>
+            </a:r>
+          </a:p>
+          <a:p>
+            <a:pPr marL="0" indent="0">
+              <a:buNone/>
+            </a:pPr>
+            <a:r>
+              <a:rPr lang="en-US" sz="8000" dirty="0"/>
+              <a:t>    </a:t>
+            </a:r>
+            <a:r>
+              <a:rPr lang="en-US" sz="8000" dirty="0" err="1"/>
+              <a:t>int</a:t>
+            </a:r>
+            <a:r>
+              <a:rPr lang="en-US" sz="8000" dirty="0"/>
+              <a:t> result = sum(10);</a:t>
+            </a:r>
+          </a:p>
+          <a:p>
+            <a:pPr marL="0" indent="0">
+              <a:buNone/>
+            </a:pPr>
+            <a:r>
+              <a:rPr lang="en-US" sz="8000" dirty="0"/>
+              <a:t>    </a:t>
+            </a:r>
+            <a:r>
+              <a:rPr lang="en-US" sz="8000" dirty="0" err="1"/>
+              <a:t>System.out.println</a:t>
+            </a:r>
+            <a:r>
+              <a:rPr lang="en-US" sz="8000" dirty="0"/>
+              <a:t>(result);</a:t>
+            </a:r>
+          </a:p>
+          <a:p>
+            <a:pPr marL="0" indent="0">
+              <a:buNone/>
+            </a:pPr>
+            <a:r>
+              <a:rPr lang="en-US" sz="8000" dirty="0"/>
+              <a:t>  }</a:t>
+            </a:r>
+          </a:p>
+          <a:p>
+            <a:pPr marL="0" indent="0">
+              <a:buNone/>
+            </a:pPr>
+            <a:r>
+              <a:rPr lang="en-US" sz="8000" dirty="0"/>
+              <a:t>  public static </a:t>
+            </a:r>
+            <a:r>
+              <a:rPr lang="en-US" sz="8000" dirty="0" err="1"/>
+              <a:t>int</a:t>
+            </a:r>
+            <a:r>
+              <a:rPr lang="en-US" sz="8000" dirty="0"/>
+              <a:t> sum(</a:t>
+            </a:r>
+            <a:r>
+              <a:rPr lang="en-US" sz="8000" dirty="0" err="1"/>
+              <a:t>int</a:t>
+            </a:r>
+            <a:r>
+              <a:rPr lang="en-US" sz="8000" dirty="0"/>
+              <a:t> k) {</a:t>
+            </a:r>
+          </a:p>
+          <a:p>
+            <a:pPr marL="0" indent="0">
+              <a:buNone/>
+            </a:pPr>
+            <a:r>
+              <a:rPr lang="en-US" sz="8000" dirty="0"/>
+              <a:t>    if (k &gt; 0) {</a:t>
+            </a:r>
+          </a:p>
+          <a:p>
+            <a:pPr marL="0" indent="0">
+              <a:buNone/>
+            </a:pPr>
+            <a:r>
+              <a:rPr lang="en-US" sz="8000" dirty="0"/>
+              <a:t>      return k + sum(k - 1);</a:t>
+            </a:r>
+          </a:p>
+          <a:p>
+            <a:pPr marL="0" indent="0">
+              <a:buNone/>
+            </a:pPr>
+            <a:r>
+              <a:rPr lang="en-US" sz="8000" dirty="0"/>
+              <a:t>    } else {</a:t>
+            </a:r>
+          </a:p>
+          <a:p>
+            <a:pPr marL="0" indent="0">
+              <a:buNone/>
+            </a:pPr>
+            <a:r>
+              <a:rPr lang="en-US" sz="8000" dirty="0"/>
+              <a:t>      return 0;</a:t>
+            </a:r>
+          </a:p>
+          <a:p>
+            <a:pPr marL="0" indent="0">
+              <a:buNone/>
+            </a:pPr>
+            <a:r>
+              <a:rPr lang="en-US" sz="8000" dirty="0"/>
+              <a:t>    }</a:t>
+            </a:r>
+          </a:p>
+          <a:p>
+            <a:pPr marL="0" indent="0">
+              <a:buNone/>
+            </a:pPr>
+            <a:r>
+              <a:rPr lang="en-US" sz="8000" dirty="0"/>
+              <a:t>  }</a:t>
+            </a:r>
+          </a:p>
+          <a:p>
+            <a:pPr marL="0" indent="0">
+              <a:buNone/>
+            </a:pPr>
+            <a:r>
+              <a:rPr lang="en-US" dirty="0"/>
+              <a:t>}</a:t>
+            </a:r>
+          </a:p>
+        </p:txBody>
+      </p:sp>
+    </p:spTree>
+    <p:extLst>
+      <p:ext uri="{BB962C8B-B14F-4D97-AF65-F5344CB8AC3E}">
+        <p14:creationId xmlns:p14="http://schemas.microsoft.com/office/powerpoint/2010/main" val="862410624"/>
+      </p:ext>
+    </p:extLst>
+  </p:cSld>
+  <p:clrMapOvr>
+    <a:masterClrMapping/>
+  </p:clrMapOvr>
+  <p:timing>
+    <p:tnLst>
+      <p:par>
+        <p:cTn id="1" dur="indefinite" restart="never" nodeType="tmRoot"/>
+      </p:par>
+    </p:tnLst>
+  </p:timing>
+</p:sld>
+</file>
+
+<file path=ppt/slides/slide14.xml><?xml version="1.0" encoding="utf-8"?>
+<p:sld xmlns:a="http://schemas.openxmlformats.org/drawingml/2006/main" xmlns:r="http://schemas.openxmlformats.org/officeDocument/2006/relationships" xmlns:p="http://schemas.openxmlformats.org/presentationml/2006/main">
+  <p:cSld>
+    <p:spTree>
+      <p:nvGrpSpPr>
+        <p:cNvPr id="1" name=""/>
+        <p:cNvGrpSpPr/>
+        <p:nvPr/>
+      </p:nvGrpSpPr>
+      <p:grpSpPr>
+        <a:xfrm>
+          <a:off x="0" y="0"/>
+          <a:ext cx="0" cy="0"/>
+          <a:chOff x="0" y="0"/>
+          <a:chExt cx="0" cy="0"/>
+        </a:xfrm>
+      </p:grpSpPr>
+      <p:sp>
+        <p:nvSpPr>
+          <p:cNvPr id="2" name="Title 1"/>
+          <p:cNvSpPr>
+            <a:spLocks noGrp="1"/>
+          </p:cNvSpPr>
+          <p:nvPr>
+            <p:ph type="title"/>
+          </p:nvPr>
+        </p:nvSpPr>
         <p:spPr/>
         <p:txBody>
           <a:bodyPr/>
@@ -6750,6 +7457,13 @@
   <p:clrMapOvr>
     <a:masterClrMapping/>
   </p:clrMapOvr>
+  <p:timing>
+    <p:tnLst>
+      <p:par>
+        <p:cTn id="1" dur="indefinite" restart="never" nodeType="tmRoot"/>
+      </p:par>
+    </p:tnLst>
+  </p:timing>
 </p:sld>
 </file>
 
@@ -6920,13 +7634,8 @@
             </a:r>
             <a:r>
               <a:rPr lang="en-US" dirty="0" smtClean="0"/>
-              <a:t>) that enables </a:t>
-            </a:r>
-            <a:r>
-              <a:rPr lang="en-US" smtClean="0"/>
-              <a:t>such communication. </a:t>
-            </a:r>
-            <a:endParaRPr lang="en-US" dirty="0" smtClean="0"/>
+              <a:t>) that enables such communication. </a:t>
+            </a:r>
           </a:p>
           <a:p>
             <a:pPr algn="just"/>
@@ -6977,6 +7686,13 @@
   <p:clrMapOvr>
     <a:masterClrMapping/>
   </p:clrMapOvr>
+  <p:timing>
+    <p:tnLst>
+      <p:par>
+        <p:cTn id="1" dur="indefinite" restart="never" nodeType="tmRoot"/>
+      </p:par>
+    </p:tnLst>
+  </p:timing>
 </p:sld>
 </file>
 
@@ -7144,6 +7860,13 @@
   <p:clrMapOvr>
     <a:masterClrMapping/>
   </p:clrMapOvr>
+  <p:timing>
+    <p:tnLst>
+      <p:par>
+        <p:cTn id="1" dur="indefinite" restart="never" nodeType="tmRoot"/>
+      </p:par>
+    </p:tnLst>
+  </p:timing>
 </p:sld>
 </file>
 
@@ -7207,10 +7930,106 @@
         </p:nvSpPr>
         <p:spPr/>
         <p:txBody>
-          <a:bodyPr/>
+          <a:bodyPr>
+            <a:noAutofit/>
+          </a:bodyPr>
           <a:lstStyle/>
           <a:p>
-            <a:endParaRPr lang="en-US"/>
+            <a:pPr marL="0" indent="0" algn="just">
+              <a:buNone/>
+            </a:pPr>
+            <a:r>
+              <a:rPr lang="en-US" sz="2800" dirty="0"/>
+              <a:t>The if conditional, which enables you to execute different bits of code based on a simple </a:t>
+            </a:r>
+            <a:r>
+              <a:rPr lang="en-US" sz="2800" dirty="0" smtClean="0"/>
+              <a:t>test in </a:t>
+            </a:r>
+            <a:r>
+              <a:rPr lang="en-US" sz="2800" dirty="0"/>
+              <a:t>Java, is nearly identical to if statements in C. if conditionals contain the keyword </a:t>
+            </a:r>
+            <a:r>
+              <a:rPr lang="en-US" sz="2800" dirty="0" smtClean="0"/>
+              <a:t>if, followed </a:t>
+            </a:r>
+            <a:r>
+              <a:rPr lang="en-US" sz="2800" dirty="0"/>
+              <a:t>by a </a:t>
+            </a:r>
+            <a:r>
+              <a:rPr lang="en-US" sz="2800" dirty="0" err="1"/>
+              <a:t>boolean</a:t>
+            </a:r>
+            <a:r>
+              <a:rPr lang="en-US" sz="2800" dirty="0"/>
+              <a:t> test, followed by a statement (often a block statement) to execute if the</a:t>
+            </a:r>
+          </a:p>
+          <a:p>
+            <a:pPr marL="0" indent="0" algn="just">
+              <a:buNone/>
+            </a:pPr>
+            <a:r>
+              <a:rPr lang="en-US" sz="2800" dirty="0"/>
+              <a:t>test is true</a:t>
+            </a:r>
+            <a:r>
+              <a:rPr lang="en-US" sz="2800" dirty="0" smtClean="0"/>
+              <a:t>:</a:t>
+            </a:r>
+            <a:endParaRPr lang="en-GB" sz="2000" dirty="0"/>
+          </a:p>
+          <a:p>
+            <a:pPr marL="0" indent="0" algn="just">
+              <a:buNone/>
+            </a:pPr>
+            <a:r>
+              <a:rPr lang="en-GB" sz="3200" dirty="0" smtClean="0"/>
+              <a:t>If(x&gt;y)</a:t>
+            </a:r>
+          </a:p>
+          <a:p>
+            <a:pPr marL="0" indent="0" algn="just">
+              <a:buNone/>
+            </a:pPr>
+            <a:r>
+              <a:rPr lang="en-GB" sz="3200" dirty="0" smtClean="0"/>
+              <a:t>If(x&lt;=y)</a:t>
+            </a:r>
+          </a:p>
+          <a:p>
+            <a:pPr marL="0" indent="0" algn="just">
+              <a:buNone/>
+            </a:pPr>
+            <a:r>
+              <a:rPr lang="en-GB" sz="3200" dirty="0" smtClean="0"/>
+              <a:t>If(x==y)</a:t>
+            </a:r>
+            <a:endParaRPr lang="en-GB" sz="3200" dirty="0"/>
+          </a:p>
+          <a:p>
+            <a:pPr marL="0" indent="0" algn="just">
+              <a:buNone/>
+            </a:pPr>
+            <a:endParaRPr lang="en-US" sz="2000" dirty="0"/>
+          </a:p>
+          <a:p>
+            <a:pPr marL="0" indent="0" algn="just">
+              <a:buNone/>
+            </a:pPr>
+            <a:endParaRPr lang="en-US" sz="1600" dirty="0"/>
+          </a:p>
+          <a:p>
+            <a:pPr marL="0" indent="0" algn="just">
+              <a:buNone/>
+            </a:pPr>
+            <a:endParaRPr lang="en-US" sz="1600" dirty="0"/>
+          </a:p>
+          <a:p>
+            <a:pPr algn="just"/>
+            <a:endParaRPr lang="en-US" sz="1600" dirty="0"/>
           </a:p>
         </p:txBody>
       </p:sp>
@@ -7224,6 +8043,13 @@
   <p:clrMapOvr>
     <a:masterClrMapping/>
   </p:clrMapOvr>
+  <p:timing>
+    <p:tnLst>
+      <p:par>
+        <p:cTn id="1" dur="indefinite" restart="never" nodeType="tmRoot"/>
+      </p:par>
+    </p:tnLst>
+  </p:timing>
 </p:sld>
 </file>
 
@@ -7291,9 +8117,70 @@
         </p:nvSpPr>
         <p:spPr/>
         <p:txBody>
-          <a:bodyPr/>
+          <a:bodyPr>
+            <a:normAutofit/>
+          </a:bodyPr>
           <a:lstStyle/>
           <a:p>
+            <a:pPr algn="just"/>
+            <a:r>
+              <a:rPr lang="en-US" dirty="0"/>
+              <a:t>This form of if statement is called a nested if, because each else statement in turn contains </a:t>
+            </a:r>
+            <a:r>
+              <a:rPr lang="en-US" dirty="0" smtClean="0"/>
+              <a:t>yet another </a:t>
+            </a:r>
+            <a:r>
+              <a:rPr lang="en-US" dirty="0"/>
+              <a:t>if, and so on, until all possible tests have been made</a:t>
+            </a:r>
+            <a:r>
+              <a:rPr lang="en-US" dirty="0" smtClean="0"/>
+              <a:t>.</a:t>
+            </a:r>
+            <a:endParaRPr lang="en-GB" sz="4000" dirty="0"/>
+          </a:p>
+          <a:p>
+            <a:pPr marL="0" indent="0" algn="just">
+              <a:buNone/>
+            </a:pPr>
+            <a:r>
+              <a:rPr lang="en-GB" sz="4000" dirty="0" smtClean="0"/>
+              <a:t>If(x&gt;y)</a:t>
+            </a:r>
+          </a:p>
+          <a:p>
+            <a:pPr marL="0" indent="0" algn="just">
+              <a:buNone/>
+            </a:pPr>
+            <a:r>
+              <a:rPr lang="en-GB" sz="4000" dirty="0" smtClean="0"/>
+              <a:t>Else if(x&lt;y)</a:t>
+            </a:r>
+            <a:endParaRPr lang="en-GB" sz="4000" dirty="0"/>
+          </a:p>
+          <a:p>
+            <a:pPr marL="0" indent="0">
+              <a:buNone/>
+            </a:pPr>
+            <a:r>
+              <a:rPr lang="en-GB" sz="4000" dirty="0"/>
+              <a:t>Else </a:t>
+            </a:r>
+            <a:r>
+              <a:rPr lang="en-GB" sz="4000" dirty="0" smtClean="0"/>
+              <a:t>if(x==y</a:t>
+            </a:r>
+            <a:r>
+              <a:rPr lang="en-GB" sz="4000" dirty="0"/>
+              <a:t>)</a:t>
+            </a:r>
+          </a:p>
+          <a:p>
+            <a:pPr marL="0" indent="0">
+              <a:buNone/>
+            </a:pPr>
             <a:endParaRPr lang="en-US" dirty="0"/>
           </a:p>
         </p:txBody>
@@ -7308,6 +8195,13 @@
   <p:clrMapOvr>
     <a:masterClrMapping/>
   </p:clrMapOvr>
+  <p:timing>
+    <p:tnLst>
+      <p:par>
+        <p:cTn id="1" dur="indefinite" restart="never" nodeType="tmRoot"/>
+      </p:par>
+    </p:tnLst>
+  </p:timing>
 </p:sld>
 </file>
 
@@ -7362,10 +8256,121 @@
         </p:nvSpPr>
         <p:spPr/>
         <p:txBody>
-          <a:bodyPr/>
+          <a:bodyPr>
+            <a:normAutofit fontScale="92500" lnSpcReduction="20000"/>
+          </a:bodyPr>
           <a:lstStyle/>
           <a:p>
-            <a:endParaRPr lang="en-US"/>
+            <a:pPr algn="just"/>
+            <a:r>
+              <a:rPr lang="en-GB" dirty="0" smtClean="0"/>
+              <a:t>In general, Boolean expressions can take the form of x&gt;y, x&lt;y, x==y, x&lt;=y and x&gt;=y.</a:t>
+            </a:r>
+            <a:endParaRPr lang="en-US" dirty="0" smtClean="0"/>
+          </a:p>
+          <a:p>
+            <a:pPr algn="just"/>
+            <a:r>
+              <a:rPr lang="en-US" dirty="0" smtClean="0"/>
+              <a:t>An </a:t>
+            </a:r>
+            <a:r>
+              <a:rPr lang="en-US" dirty="0"/>
+              <a:t>alternative to using the if and else keywords in a conditional statement is to use </a:t>
+            </a:r>
+            <a:r>
+              <a:rPr lang="en-US" dirty="0" smtClean="0"/>
+              <a:t>the conditional </a:t>
+            </a:r>
+            <a:r>
+              <a:rPr lang="en-US" dirty="0"/>
+              <a:t>operator, sometimes called the ternary operator.</a:t>
+            </a:r>
+          </a:p>
+          <a:p>
+            <a:pPr algn="just"/>
+            <a:r>
+              <a:rPr lang="en-US" dirty="0"/>
+              <a:t>A </a:t>
+            </a:r>
+            <a:r>
+              <a:rPr lang="en-US" i="1" dirty="0"/>
+              <a:t>conditional operator </a:t>
+            </a:r>
+            <a:r>
+              <a:rPr lang="en-US" dirty="0"/>
+              <a:t>is a </a:t>
+            </a:r>
+            <a:r>
+              <a:rPr lang="en-US" i="1" dirty="0"/>
+              <a:t>ternary operator </a:t>
+            </a:r>
+            <a:r>
+              <a:rPr lang="en-US" dirty="0"/>
+              <a:t>because it </a:t>
+            </a:r>
+            <a:r>
+              <a:rPr lang="en-US" dirty="0" smtClean="0"/>
+              <a:t>has </a:t>
+            </a:r>
+            <a:r>
+              <a:rPr lang="en-US" dirty="0"/>
+              <a:t>three terms</a:t>
+            </a:r>
+            <a:r>
+              <a:rPr lang="en-US" dirty="0" smtClean="0"/>
+              <a:t>.</a:t>
+            </a:r>
+          </a:p>
+          <a:p>
+            <a:pPr marL="0" indent="0" algn="just">
+              <a:buNone/>
+            </a:pPr>
+            <a:r>
+              <a:rPr lang="en-US" dirty="0"/>
+              <a:t>test ? </a:t>
+            </a:r>
+            <a:r>
+              <a:rPr lang="en-US" dirty="0" err="1"/>
+              <a:t>trueresult</a:t>
+            </a:r>
+            <a:r>
+              <a:rPr lang="en-US" dirty="0"/>
+              <a:t> : </a:t>
+            </a:r>
+            <a:r>
+              <a:rPr lang="en-US" dirty="0" err="1" smtClean="0"/>
+              <a:t>falseresult</a:t>
+            </a:r>
+            <a:endParaRPr lang="en-US" dirty="0" smtClean="0"/>
+          </a:p>
+          <a:p>
+            <a:pPr marL="0" indent="0" algn="just">
+              <a:buNone/>
+            </a:pPr>
+            <a:r>
+              <a:rPr lang="es-ES" dirty="0" err="1"/>
+              <a:t>int</a:t>
+            </a:r>
+            <a:r>
+              <a:rPr lang="es-ES" dirty="0"/>
+              <a:t> </a:t>
+            </a:r>
+            <a:r>
+              <a:rPr lang="es-ES" dirty="0" err="1"/>
+              <a:t>smaller</a:t>
+            </a:r>
+            <a:r>
+              <a:rPr lang="es-ES" dirty="0"/>
+              <a:t> = x &lt; y ? x : y;</a:t>
+            </a:r>
+            <a:endParaRPr lang="en-US" dirty="0" smtClean="0"/>
+          </a:p>
+          <a:p>
+            <a:pPr marL="0" indent="0" algn="just">
+              <a:buNone/>
+            </a:pPr>
+            <a:endParaRPr lang="en-US" dirty="0"/>
           </a:p>
         </p:txBody>
       </p:sp>
@@ -7379,6 +8384,13 @@
   <p:clrMapOvr>
     <a:masterClrMapping/>
   </p:clrMapOvr>
+  <p:timing>
+    <p:tnLst>
+      <p:par>
+        <p:cTn id="1" dur="indefinite" restart="never" nodeType="tmRoot"/>
+      </p:par>
+    </p:tnLst>
+  </p:timing>
 </p:sld>
 </file>
 
@@ -7411,7 +8423,7 @@
         </p:nvSpPr>
         <p:spPr>
           <a:xfrm>
-            <a:off x="241489" y="134483"/>
+            <a:off x="239349" y="203854"/>
             <a:ext cx="11711162" cy="1115616"/>
           </a:xfrm>
         </p:spPr>
@@ -7420,13 +8432,10 @@
           <a:lstStyle/>
           <a:p>
             <a:r>
-              <a:rPr lang="en-US" dirty="0" smtClean="0"/>
-              <a:t>Switch </a:t>
-            </a:r>
-            <a:r>
-              <a:rPr lang="en-US" dirty="0"/>
-              <a:t>statement</a:t>
-            </a:r>
+              <a:rPr lang="en-GB" dirty="0" smtClean="0"/>
+              <a:t>Logical Operators</a:t>
+            </a:r>
+            <a:endParaRPr lang="en-US" dirty="0"/>
           </a:p>
         </p:txBody>
       </p:sp>
@@ -7445,6 +8454,88 @@
           <a:bodyPr/>
           <a:lstStyle/>
           <a:p>
+            <a:r>
+              <a:rPr lang="en-US" dirty="0"/>
+              <a:t>&amp; </a:t>
+            </a:r>
+            <a:r>
+              <a:rPr lang="en-US" dirty="0" smtClean="0"/>
+              <a:t>		Bitwise </a:t>
+            </a:r>
+            <a:r>
+              <a:rPr lang="en-US" dirty="0"/>
+              <a:t>AND</a:t>
+            </a:r>
+          </a:p>
+          <a:p>
+            <a:r>
+              <a:rPr lang="en-US" dirty="0"/>
+              <a:t>| </a:t>
+            </a:r>
+            <a:r>
+              <a:rPr lang="en-US" dirty="0" smtClean="0"/>
+              <a:t>		Bitwise </a:t>
+            </a:r>
+            <a:r>
+              <a:rPr lang="en-US" dirty="0"/>
+              <a:t>OR</a:t>
+            </a:r>
+          </a:p>
+          <a:p>
+            <a:r>
+              <a:rPr lang="en-US" dirty="0"/>
+              <a:t>^ </a:t>
+            </a:r>
+            <a:r>
+              <a:rPr lang="en-US" dirty="0" smtClean="0"/>
+              <a:t>		Bitwise </a:t>
+            </a:r>
+            <a:r>
+              <a:rPr lang="en-US" dirty="0"/>
+              <a:t>XOR</a:t>
+            </a:r>
+          </a:p>
+          <a:p>
+            <a:r>
+              <a:rPr lang="en-US" dirty="0"/>
+              <a:t>&lt;&lt; </a:t>
+            </a:r>
+            <a:r>
+              <a:rPr lang="en-US" dirty="0" smtClean="0"/>
+              <a:t>	Left </a:t>
+            </a:r>
+            <a:r>
+              <a:rPr lang="en-US" dirty="0"/>
+              <a:t>shift</a:t>
+            </a:r>
+          </a:p>
+          <a:p>
+            <a:r>
+              <a:rPr lang="en-US" dirty="0"/>
+              <a:t>&gt;&gt; </a:t>
+            </a:r>
+            <a:r>
+              <a:rPr lang="en-US" dirty="0" smtClean="0"/>
+              <a:t>	Right </a:t>
+            </a:r>
+            <a:r>
+              <a:rPr lang="en-US" dirty="0"/>
+              <a:t>shift</a:t>
+            </a:r>
+          </a:p>
+          <a:p>
+            <a:r>
+              <a:rPr lang="en-US" dirty="0"/>
+              <a:t>&gt;&gt;&gt; </a:t>
+            </a:r>
+            <a:r>
+              <a:rPr lang="en-US" dirty="0" smtClean="0"/>
+              <a:t>	Zero </a:t>
+            </a:r>
+            <a:r>
+              <a:rPr lang="en-US" dirty="0"/>
+              <a:t>fill right shift</a:t>
+            </a:r>
             <a:endParaRPr lang="en-US" dirty="0"/>
           </a:p>
         </p:txBody>
@@ -7452,13 +8543,20 @@
     </p:spTree>
     <p:extLst>
       <p:ext uri="{BB962C8B-B14F-4D97-AF65-F5344CB8AC3E}">
-        <p14:creationId xmlns:p14="http://schemas.microsoft.com/office/powerpoint/2010/main" val="2286461122"/>
+        <p14:creationId xmlns:p14="http://schemas.microsoft.com/office/powerpoint/2010/main" val="1647746957"/>
       </p:ext>
     </p:extLst>
   </p:cSld>
   <p:clrMapOvr>
     <a:masterClrMapping/>
   </p:clrMapOvr>
+  <p:timing>
+    <p:tnLst>
+      <p:par>
+        <p:cTn id="1" dur="indefinite" restart="never" nodeType="tmRoot"/>
+      </p:par>
+    </p:tnLst>
+  </p:timing>
 </p:sld>
 </file>
 
@@ -7491,7 +8589,7 @@
         </p:nvSpPr>
         <p:spPr>
           <a:xfrm>
-            <a:off x="239349" y="153144"/>
+            <a:off x="241489" y="0"/>
             <a:ext cx="11711162" cy="1115616"/>
           </a:xfrm>
         </p:spPr>
@@ -7500,32 +8598,130 @@
           <a:lstStyle/>
           <a:p>
             <a:r>
+              <a:rPr lang="en-GB" dirty="0"/>
+              <a:t>Logical Operators</a:t>
+            </a:r>
+            <a:endParaRPr lang="en-US" dirty="0"/>
+          </a:p>
+        </p:txBody>
+      </p:sp>
+      <p:sp>
+        <p:nvSpPr>
+          <p:cNvPr id="3" name="Content Placeholder 2"/>
+          <p:cNvSpPr>
+            <a:spLocks noGrp="1"/>
+          </p:cNvSpPr>
+          <p:nvPr>
+            <p:ph idx="1"/>
+          </p:nvPr>
+        </p:nvSpPr>
+        <p:spPr/>
+        <p:txBody>
+          <a:bodyPr>
+            <a:normAutofit fontScale="92500"/>
+          </a:bodyPr>
+          <a:lstStyle/>
+          <a:p>
+            <a:r>
               <a:rPr lang="en-US" dirty="0"/>
-              <a:t>I</a:t>
+              <a:t>~ </a:t>
             </a:r>
             <a:r>
               <a:rPr lang="en-US" dirty="0" smtClean="0"/>
-              <a:t>teration statement- while</a:t>
-            </a:r>
-            <a:endParaRPr lang="en-US" dirty="0"/>
-          </a:p>
-        </p:txBody>
-      </p:sp>
-      <p:sp>
-        <p:nvSpPr>
-          <p:cNvPr id="3" name="Content Placeholder 2"/>
-          <p:cNvSpPr>
-            <a:spLocks noGrp="1"/>
-          </p:cNvSpPr>
-          <p:nvPr>
-            <p:ph idx="1"/>
-          </p:nvPr>
-        </p:nvSpPr>
-        <p:spPr/>
-        <p:txBody>
-          <a:bodyPr/>
-          <a:lstStyle/>
-          <a:p>
+              <a:t>		Bitwise </a:t>
+            </a:r>
+            <a:r>
+              <a:rPr lang="en-US" dirty="0"/>
+              <a:t>complement</a:t>
+            </a:r>
+          </a:p>
+          <a:p>
+            <a:r>
+              <a:rPr lang="en-US" dirty="0"/>
+              <a:t>&lt;&lt;= </a:t>
+            </a:r>
+            <a:r>
+              <a:rPr lang="en-US" dirty="0" smtClean="0"/>
+              <a:t>	Left </a:t>
+            </a:r>
+            <a:r>
+              <a:rPr lang="en-US" dirty="0"/>
+              <a:t>shift assignment (x = x &lt;&lt; y)</a:t>
+            </a:r>
+          </a:p>
+          <a:p>
+            <a:r>
+              <a:rPr lang="en-US" dirty="0"/>
+              <a:t>&gt;&gt;= </a:t>
+            </a:r>
+            <a:r>
+              <a:rPr lang="en-US" dirty="0" smtClean="0"/>
+              <a:t>	Right </a:t>
+            </a:r>
+            <a:r>
+              <a:rPr lang="en-US" dirty="0"/>
+              <a:t>shift assignment (x = x &gt;&gt; y)</a:t>
+            </a:r>
+          </a:p>
+          <a:p>
+            <a:r>
+              <a:rPr lang="en-US" dirty="0"/>
+              <a:t>&gt;&gt;&gt;= </a:t>
+            </a:r>
+            <a:r>
+              <a:rPr lang="en-US" dirty="0" smtClean="0"/>
+              <a:t>	Zero </a:t>
+            </a:r>
+            <a:r>
+              <a:rPr lang="en-US" dirty="0"/>
+              <a:t>fill right shift assignment (x = x &gt;&gt;&gt; y)</a:t>
+            </a:r>
+          </a:p>
+          <a:p>
+            <a:r>
+              <a:rPr lang="en-US" dirty="0"/>
+              <a:t>x&amp;=y </a:t>
+            </a:r>
+            <a:r>
+              <a:rPr lang="en-US" dirty="0" smtClean="0"/>
+              <a:t>	AND </a:t>
+            </a:r>
+            <a:r>
+              <a:rPr lang="en-US" dirty="0"/>
+              <a:t>assignment (x = x &amp; y)</a:t>
+            </a:r>
+          </a:p>
+          <a:p>
+            <a:r>
+              <a:rPr lang="fr-FR" dirty="0"/>
+              <a:t>x|=y </a:t>
+            </a:r>
+            <a:r>
+              <a:rPr lang="fr-FR" dirty="0" smtClean="0"/>
+              <a:t>	OR </a:t>
+            </a:r>
+            <a:r>
+              <a:rPr lang="fr-FR" dirty="0" err="1"/>
+              <a:t>assignment</a:t>
+            </a:r>
+            <a:r>
+              <a:rPr lang="fr-FR" dirty="0"/>
+              <a:t> (x + x | y)</a:t>
+            </a:r>
+          </a:p>
+          <a:p>
+            <a:r>
+              <a:rPr lang="en-US" dirty="0"/>
+              <a:t>x^=y </a:t>
+            </a:r>
+            <a:r>
+              <a:rPr lang="en-US" dirty="0" smtClean="0"/>
+              <a:t>	NOT </a:t>
+            </a:r>
+            <a:r>
+              <a:rPr lang="en-US" dirty="0"/>
+              <a:t>assignment (x = x ^ y)</a:t>
+            </a:r>
             <a:endParaRPr lang="en-US" dirty="0"/>
           </a:p>
         </p:txBody>
@@ -7533,13 +8729,20 @@
     </p:spTree>
     <p:extLst>
       <p:ext uri="{BB962C8B-B14F-4D97-AF65-F5344CB8AC3E}">
-        <p14:creationId xmlns:p14="http://schemas.microsoft.com/office/powerpoint/2010/main" val="3714985099"/>
+        <p14:creationId xmlns:p14="http://schemas.microsoft.com/office/powerpoint/2010/main" val="3853681505"/>
       </p:ext>
     </p:extLst>
   </p:cSld>
   <p:clrMapOvr>
     <a:masterClrMapping/>
   </p:clrMapOvr>
+  <p:timing>
+    <p:tnLst>
+      <p:par>
+        <p:cTn id="1" dur="indefinite" restart="never" nodeType="tmRoot"/>
+      </p:par>
+    </p:tnLst>
+  </p:timing>
 </p:sld>
 </file>
 
